--- a/flexbox.pptx
+++ b/flexbox.pptx
@@ -44,14 +44,14 @@
       <p:bold r:id="rId35"/>
     </p:embeddedFont>
     <p:embeddedFont>
-      <p:font typeface="Open Sans" panose="020B0604020202020204" charset="0"/>
+      <p:font typeface="Calibri" panose="020F0502020204030204" pitchFamily="34" charset="0"/>
       <p:regular r:id="rId36"/>
       <p:bold r:id="rId37"/>
       <p:italic r:id="rId38"/>
       <p:boldItalic r:id="rId39"/>
     </p:embeddedFont>
     <p:embeddedFont>
-      <p:font typeface="Calibri" panose="020F0502020204030204" pitchFamily="34" charset="0"/>
+      <p:font typeface="Open Sans" panose="020B0604020202020204" charset="0"/>
       <p:regular r:id="rId40"/>
       <p:bold r:id="rId41"/>
       <p:italic r:id="rId42"/>
@@ -12913,11 +12913,11 @@
             </a:r>
             <a:r>
               <a:rPr lang="en-US" dirty="0"/>
-              <a:t> property specifies the f</a:t>
+              <a:t> property specifies the </a:t>
             </a:r>
             <a:r>
               <a:rPr lang="en-US" b="1" dirty="0"/>
-              <a:t>lex grow factor</a:t>
+              <a:t>flex grow factor</a:t>
             </a:r>
             <a:r>
               <a:rPr lang="en-US" dirty="0"/>
@@ -14517,11 +14517,7 @@
             </a:r>
             <a:r>
               <a:rPr lang="en-US" dirty="0" smtClean="0"/>
-              <a:t>on </a:t>
-            </a:r>
-            <a:r>
-              <a:rPr lang="en-US" dirty="0" smtClean="0"/>
-              <a:t>is </a:t>
+              <a:t>on is </a:t>
             </a:r>
             <a:r>
               <a:rPr lang="en-US" dirty="0"/>
@@ -16022,6 +16018,14 @@
 </file>
 
 <file path=customXml/item1.xml><?xml version="1.0" encoding="utf-8"?>
+<p:properties xmlns:p="http://schemas.microsoft.com/office/2006/metadata/properties" xmlns:xsi="http://www.w3.org/2001/XMLSchema-instance" xmlns:pc="http://schemas.microsoft.com/office/infopath/2007/PartnerControls">
+  <documentManagement>
+    <_x041a__x043e__x043c__x0435__x0442__x0430__x0440_ xmlns="835f28f2-30f1-4728-84d2-86d96e143488" xsi:nil="true"/>
+  </documentManagement>
+</p:properties>
+</file>
+
+<file path=customXml/item2.xml><?xml version="1.0" encoding="utf-8"?>
 <ct:contentTypeSchema xmlns:ct="http://schemas.microsoft.com/office/2006/metadata/contentType" xmlns:ma="http://schemas.microsoft.com/office/2006/metadata/properties/metaAttributes" ct:_="" ma:_="" ma:contentTypeName="Документ" ma:contentTypeID="0x0101004195FC54A15F344D83577B1CDDD67A5D" ma:contentTypeVersion="9" ma:contentTypeDescription="Создание документа." ma:contentTypeScope="" ma:versionID="961ec8db58076c7d3e9f84b9cd82fd45">
   <xsd:schema xmlns:xsd="http://www.w3.org/2001/XMLSchema" xmlns:xs="http://www.w3.org/2001/XMLSchema" xmlns:p="http://schemas.microsoft.com/office/2006/metadata/properties" xmlns:ns2="341e6018-ac0a-4dfb-8409-db9e0d25502e" xmlns:ns3="835f28f2-30f1-4728-84d2-86d96e143488" targetNamespace="http://schemas.microsoft.com/office/2006/metadata/properties" ma:root="true" ma:fieldsID="bd9f0c80ada20ee560e77d723f3ef44e" ns2:_="" ns3:_="">
     <xsd:import namespace="341e6018-ac0a-4dfb-8409-db9e0d25502e"/>
@@ -16220,14 +16224,6 @@
 </ct:contentTypeSchema>
 </file>
 
-<file path=customXml/item2.xml><?xml version="1.0" encoding="utf-8"?>
-<p:properties xmlns:p="http://schemas.microsoft.com/office/2006/metadata/properties" xmlns:xsi="http://www.w3.org/2001/XMLSchema-instance" xmlns:pc="http://schemas.microsoft.com/office/infopath/2007/PartnerControls">
-  <documentManagement>
-    <_x041a__x043e__x043c__x0435__x0442__x0430__x0440_ xmlns="835f28f2-30f1-4728-84d2-86d96e143488" xsi:nil="true"/>
-  </documentManagement>
-</p:properties>
-</file>
-
 <file path=customXml/item3.xml><?xml version="1.0" encoding="utf-8"?>
 <?mso-contentType ?>
 <FormTemplates xmlns="http://schemas.microsoft.com/sharepoint/v3/contenttype/forms">
@@ -16238,6 +16234,23 @@
 </file>
 
 <file path=customXml/itemProps1.xml><?xml version="1.0" encoding="utf-8"?>
+<ds:datastoreItem xmlns:ds="http://schemas.openxmlformats.org/officeDocument/2006/customXml" ds:itemID="{B3A1340B-3A1B-4156-ADE3-51DF6C2C795D}">
+  <ds:schemaRefs>
+    <ds:schemaRef ds:uri="http://purl.org/dc/terms/"/>
+    <ds:schemaRef ds:uri="341e6018-ac0a-4dfb-8409-db9e0d25502e"/>
+    <ds:schemaRef ds:uri="http://purl.org/dc/dcmitype/"/>
+    <ds:schemaRef ds:uri="http://purl.org/dc/elements/1.1/"/>
+    <ds:schemaRef ds:uri="http://www.w3.org/XML/1998/namespace"/>
+    <ds:schemaRef ds:uri="http://schemas.microsoft.com/office/infopath/2007/PartnerControls"/>
+    <ds:schemaRef ds:uri="http://schemas.microsoft.com/office/2006/documentManagement/types"/>
+    <ds:schemaRef ds:uri="http://schemas.openxmlformats.org/package/2006/metadata/core-properties"/>
+    <ds:schemaRef ds:uri="835f28f2-30f1-4728-84d2-86d96e143488"/>
+    <ds:schemaRef ds:uri="http://schemas.microsoft.com/office/2006/metadata/properties"/>
+  </ds:schemaRefs>
+</ds:datastoreItem>
+</file>
+
+<file path=customXml/itemProps2.xml><?xml version="1.0" encoding="utf-8"?>
 <ds:datastoreItem xmlns:ds="http://schemas.openxmlformats.org/officeDocument/2006/customXml" ds:itemID="{CAFDAB34-20E1-438F-BCB2-ECDA5496F36D}">
   <ds:schemaRefs>
     <ds:schemaRef ds:uri="http://schemas.microsoft.com/office/2006/metadata/contentType"/>
@@ -16256,23 +16269,6 @@
 </ds:datastoreItem>
 </file>
 
-<file path=customXml/itemProps2.xml><?xml version="1.0" encoding="utf-8"?>
-<ds:datastoreItem xmlns:ds="http://schemas.openxmlformats.org/officeDocument/2006/customXml" ds:itemID="{B3A1340B-3A1B-4156-ADE3-51DF6C2C795D}">
-  <ds:schemaRefs>
-    <ds:schemaRef ds:uri="http://purl.org/dc/terms/"/>
-    <ds:schemaRef ds:uri="341e6018-ac0a-4dfb-8409-db9e0d25502e"/>
-    <ds:schemaRef ds:uri="http://purl.org/dc/dcmitype/"/>
-    <ds:schemaRef ds:uri="http://purl.org/dc/elements/1.1/"/>
-    <ds:schemaRef ds:uri="http://www.w3.org/XML/1998/namespace"/>
-    <ds:schemaRef ds:uri="http://schemas.microsoft.com/office/infopath/2007/PartnerControls"/>
-    <ds:schemaRef ds:uri="http://schemas.microsoft.com/office/2006/documentManagement/types"/>
-    <ds:schemaRef ds:uri="http://schemas.openxmlformats.org/package/2006/metadata/core-properties"/>
-    <ds:schemaRef ds:uri="835f28f2-30f1-4728-84d2-86d96e143488"/>
-    <ds:schemaRef ds:uri="http://schemas.microsoft.com/office/2006/metadata/properties"/>
-  </ds:schemaRefs>
-</ds:datastoreItem>
-</file>
-
 <file path=customXml/itemProps3.xml><?xml version="1.0" encoding="utf-8"?>
 <ds:datastoreItem xmlns:ds="http://schemas.openxmlformats.org/officeDocument/2006/customXml" ds:itemID="{296B3B9E-03D8-4766-BF45-6129617CF026}">
   <ds:schemaRefs>
